--- a/writing/01_experimentalDesign/images/graphics_for_illustrations.pptx
+++ b/writing/01_experimentalDesign/images/graphics_for_illustrations.pptx
@@ -262,7 +262,7 @@
           <a:p>
             <a:fld id="{7C66F8C5-0AE1-48AA-BD12-95B9E66CA5D7}" type="datetimeFigureOut">
               <a:rPr lang="en-US" smtClean="0"/>
-              <a:t>7/7/2020</a:t>
+              <a:t>7/24/2020</a:t>
             </a:fld>
             <a:endParaRPr lang="en-US"/>
           </a:p>
@@ -462,7 +462,7 @@
           <a:p>
             <a:fld id="{7C66F8C5-0AE1-48AA-BD12-95B9E66CA5D7}" type="datetimeFigureOut">
               <a:rPr lang="en-US" smtClean="0"/>
-              <a:t>7/7/2020</a:t>
+              <a:t>7/24/2020</a:t>
             </a:fld>
             <a:endParaRPr lang="en-US"/>
           </a:p>
@@ -672,7 +672,7 @@
           <a:p>
             <a:fld id="{7C66F8C5-0AE1-48AA-BD12-95B9E66CA5D7}" type="datetimeFigureOut">
               <a:rPr lang="en-US" smtClean="0"/>
-              <a:t>7/7/2020</a:t>
+              <a:t>7/24/2020</a:t>
             </a:fld>
             <a:endParaRPr lang="en-US"/>
           </a:p>
@@ -872,7 +872,7 @@
           <a:p>
             <a:fld id="{7C66F8C5-0AE1-48AA-BD12-95B9E66CA5D7}" type="datetimeFigureOut">
               <a:rPr lang="en-US" smtClean="0"/>
-              <a:t>7/7/2020</a:t>
+              <a:t>7/24/2020</a:t>
             </a:fld>
             <a:endParaRPr lang="en-US"/>
           </a:p>
@@ -1148,7 +1148,7 @@
           <a:p>
             <a:fld id="{7C66F8C5-0AE1-48AA-BD12-95B9E66CA5D7}" type="datetimeFigureOut">
               <a:rPr lang="en-US" smtClean="0"/>
-              <a:t>7/7/2020</a:t>
+              <a:t>7/24/2020</a:t>
             </a:fld>
             <a:endParaRPr lang="en-US"/>
           </a:p>
@@ -1416,7 +1416,7 @@
           <a:p>
             <a:fld id="{7C66F8C5-0AE1-48AA-BD12-95B9E66CA5D7}" type="datetimeFigureOut">
               <a:rPr lang="en-US" smtClean="0"/>
-              <a:t>7/7/2020</a:t>
+              <a:t>7/24/2020</a:t>
             </a:fld>
             <a:endParaRPr lang="en-US"/>
           </a:p>
@@ -1831,7 +1831,7 @@
           <a:p>
             <a:fld id="{7C66F8C5-0AE1-48AA-BD12-95B9E66CA5D7}" type="datetimeFigureOut">
               <a:rPr lang="en-US" smtClean="0"/>
-              <a:t>7/7/2020</a:t>
+              <a:t>7/24/2020</a:t>
             </a:fld>
             <a:endParaRPr lang="en-US"/>
           </a:p>
@@ -1973,7 +1973,7 @@
           <a:p>
             <a:fld id="{7C66F8C5-0AE1-48AA-BD12-95B9E66CA5D7}" type="datetimeFigureOut">
               <a:rPr lang="en-US" smtClean="0"/>
-              <a:t>7/7/2020</a:t>
+              <a:t>7/24/2020</a:t>
             </a:fld>
             <a:endParaRPr lang="en-US"/>
           </a:p>
@@ -2086,7 +2086,7 @@
           <a:p>
             <a:fld id="{7C66F8C5-0AE1-48AA-BD12-95B9E66CA5D7}" type="datetimeFigureOut">
               <a:rPr lang="en-US" smtClean="0"/>
-              <a:t>7/7/2020</a:t>
+              <a:t>7/24/2020</a:t>
             </a:fld>
             <a:endParaRPr lang="en-US"/>
           </a:p>
@@ -2399,7 +2399,7 @@
           <a:p>
             <a:fld id="{7C66F8C5-0AE1-48AA-BD12-95B9E66CA5D7}" type="datetimeFigureOut">
               <a:rPr lang="en-US" smtClean="0"/>
-              <a:t>7/7/2020</a:t>
+              <a:t>7/24/2020</a:t>
             </a:fld>
             <a:endParaRPr lang="en-US"/>
           </a:p>
@@ -2688,7 +2688,7 @@
           <a:p>
             <a:fld id="{7C66F8C5-0AE1-48AA-BD12-95B9E66CA5D7}" type="datetimeFigureOut">
               <a:rPr lang="en-US" smtClean="0"/>
-              <a:t>7/7/2020</a:t>
+              <a:t>7/24/2020</a:t>
             </a:fld>
             <a:endParaRPr lang="en-US"/>
           </a:p>
@@ -2931,7 +2931,7 @@
           <a:p>
             <a:fld id="{7C66F8C5-0AE1-48AA-BD12-95B9E66CA5D7}" type="datetimeFigureOut">
               <a:rPr lang="en-US" smtClean="0"/>
-              <a:t>7/7/2020</a:t>
+              <a:t>7/24/2020</a:t>
             </a:fld>
             <a:endParaRPr lang="en-US"/>
           </a:p>
@@ -3369,9 +3369,7 @@
             <a:avLst/>
           </a:prstGeom>
           <a:solidFill>
-            <a:schemeClr val="bg2">
-              <a:lumMod val="90000"/>
-            </a:schemeClr>
+            <a:schemeClr val="bg1"/>
           </a:solidFill>
           <a:ln>
             <a:solidFill>
@@ -3664,9 +3662,7 @@
             <a:avLst/>
           </a:prstGeom>
           <a:solidFill>
-            <a:schemeClr val="bg2">
-              <a:lumMod val="90000"/>
-            </a:schemeClr>
+            <a:schemeClr val="bg1"/>
           </a:solidFill>
           <a:ln>
             <a:solidFill>
